--- a/Readme/CairnConnect - Weekly Status Report_04_10_2019.pptx
+++ b/Readme/CairnConnect - Weekly Status Report_04_10_2019.pptx
@@ -3099,7 +3099,7 @@
           <p:nvPr>
             <p:extLst>
               <p:ext uri="{D42A27DB-BD31-4B8C-83A1-F6EECF244321}">
-                <p14:modId xmlns:p14="http://schemas.microsoft.com/office/powerpoint/2010/main" val="2488354793"/>
+                <p14:modId xmlns:p14="http://schemas.microsoft.com/office/powerpoint/2010/main" val="4061958725"/>
               </p:ext>
             </p:extLst>
           </p:nvPr>
@@ -3525,6 +3525,67 @@
                         <a:tabLst/>
                         <a:defRPr/>
                       </a:pPr>
+                      <a:r>
+                        <a:rPr kumimoji="0" lang="en-US" sz="1000" b="0" i="0" u="none" strike="noStrike" cap="none" normalizeH="0" baseline="0" dirty="0">
+                          <a:ln>
+                            <a:noFill/>
+                          </a:ln>
+                          <a:solidFill>
+                            <a:srgbClr val="000000"/>
+                          </a:solidFill>
+                          <a:effectLst/>
+                          <a:latin typeface="Arial" panose="020B0604020202020204" pitchFamily="34" charset="0"/>
+                          <a:cs typeface="Arial" panose="020B0604020202020204" pitchFamily="34" charset="0"/>
+                        </a:rPr>
+                        <a:t>Project is in line with the schedule and is progressing nicely. </a:t>
+                      </a:r>
+                    </a:p>
+                    <a:p>
+                      <a:pPr marL="171450" marR="0" lvl="0" indent="-171450" algn="l" defTabSz="914400" rtl="0" eaLnBrk="1" fontAlgn="base" latinLnBrk="0" hangingPunct="1">
+                        <a:lnSpc>
+                          <a:spcPct val="100000"/>
+                        </a:lnSpc>
+                        <a:spcBef>
+                          <a:spcPct val="0"/>
+                        </a:spcBef>
+                        <a:spcAft>
+                          <a:spcPct val="0"/>
+                        </a:spcAft>
+                        <a:buClrTx/>
+                        <a:buSzTx/>
+                        <a:buFont typeface="Arial" pitchFamily="34" charset="0"/>
+                        <a:buChar char="•"/>
+                        <a:tabLst/>
+                        <a:defRPr/>
+                      </a:pPr>
+                      <a:r>
+                        <a:rPr kumimoji="0" lang="en-US" sz="1000" b="0" i="0" u="none" strike="noStrike" cap="none" normalizeH="0" baseline="0" dirty="0">
+                          <a:ln>
+                            <a:noFill/>
+                          </a:ln>
+                          <a:solidFill>
+                            <a:srgbClr val="000000"/>
+                          </a:solidFill>
+                          <a:effectLst/>
+                          <a:latin typeface="Arial" panose="020B0604020202020204" pitchFamily="34" charset="0"/>
+                          <a:cs typeface="Arial" panose="020B0604020202020204" pitchFamily="34" charset="0"/>
+                        </a:rPr>
+                        <a:t>No upcoming issues or risks at this point </a:t>
+                      </a:r>
+                      <a:r>
+                        <a:rPr kumimoji="0" lang="en-US" sz="1000" b="0" i="0" u="none" strike="noStrike" cap="none" normalizeH="0" baseline="0">
+                          <a:ln>
+                            <a:noFill/>
+                          </a:ln>
+                          <a:solidFill>
+                            <a:srgbClr val="000000"/>
+                          </a:solidFill>
+                          <a:effectLst/>
+                          <a:latin typeface="Arial" panose="020B0604020202020204" pitchFamily="34" charset="0"/>
+                          <a:cs typeface="Arial" panose="020B0604020202020204" pitchFamily="34" charset="0"/>
+                        </a:rPr>
+                        <a:t>in time. </a:t>
+                      </a:r>
                       <a:endParaRPr kumimoji="0" lang="en-US" sz="1000" b="0" i="0" u="none" strike="noStrike" cap="none" normalizeH="0" baseline="0" dirty="0">
                         <a:ln>
                           <a:noFill/>
